--- a/slides/Unit-economics.pptx
+++ b/slides/Unit-economics.pptx
@@ -154,7 +154,7 @@
 <file path=ppt/charts/chart1.xml><?xml version="1.0" encoding="utf-8"?>
 <c:chartSpace xmlns:c="http://schemas.openxmlformats.org/drawingml/2006/chart" xmlns:a="http://schemas.openxmlformats.org/drawingml/2006/main" xmlns:r="http://schemas.openxmlformats.org/officeDocument/2006/relationships" xmlns:c16r2="http://schemas.microsoft.com/office/drawing/2015/06/chart">
   <c:date1904 val="0"/>
-  <c:lang val="en-US"/>
+  <c:lang val="ru-RU"/>
   <c:roundedCorners val="0"/>
   <mc:AlternateContent xmlns:mc="http://schemas.openxmlformats.org/markup-compatibility/2006">
     <mc:Choice xmlns:c14="http://schemas.microsoft.com/office/drawing/2007/8/2/chart" Requires="c14">
@@ -1105,7 +1105,7 @@
 <file path=ppt/charts/chart2.xml><?xml version="1.0" encoding="utf-8"?>
 <c:chartSpace xmlns:c="http://schemas.openxmlformats.org/drawingml/2006/chart" xmlns:a="http://schemas.openxmlformats.org/drawingml/2006/main" xmlns:r="http://schemas.openxmlformats.org/officeDocument/2006/relationships" xmlns:c16r2="http://schemas.microsoft.com/office/drawing/2015/06/chart">
   <c:date1904 val="0"/>
-  <c:lang val="en-US"/>
+  <c:lang val="ru-RU"/>
   <c:roundedCorners val="0"/>
   <mc:AlternateContent xmlns:mc="http://schemas.openxmlformats.org/markup-compatibility/2006">
     <mc:Choice xmlns:c14="http://schemas.microsoft.com/office/drawing/2007/8/2/chart" Requires="c14">
@@ -2056,7 +2056,7 @@
 <file path=ppt/charts/chart3.xml><?xml version="1.0" encoding="utf-8"?>
 <c:chartSpace xmlns:c="http://schemas.openxmlformats.org/drawingml/2006/chart" xmlns:a="http://schemas.openxmlformats.org/drawingml/2006/main" xmlns:r="http://schemas.openxmlformats.org/officeDocument/2006/relationships" xmlns:c16r2="http://schemas.microsoft.com/office/drawing/2015/06/chart">
   <c:date1904 val="0"/>
-  <c:lang val="en-US"/>
+  <c:lang val="ru-RU"/>
   <c:roundedCorners val="0"/>
   <mc:AlternateContent xmlns:mc="http://schemas.openxmlformats.org/markup-compatibility/2006">
     <mc:Choice xmlns:c14="http://schemas.microsoft.com/office/drawing/2007/8/2/chart" Requires="c14">
@@ -3007,7 +3007,7 @@
 <file path=ppt/charts/chart4.xml><?xml version="1.0" encoding="utf-8"?>
 <c:chartSpace xmlns:c="http://schemas.openxmlformats.org/drawingml/2006/chart" xmlns:a="http://schemas.openxmlformats.org/drawingml/2006/main" xmlns:r="http://schemas.openxmlformats.org/officeDocument/2006/relationships" xmlns:c16r2="http://schemas.microsoft.com/office/drawing/2015/06/chart">
   <c:date1904 val="0"/>
-  <c:lang val="en-US"/>
+  <c:lang val="ru-RU"/>
   <c:roundedCorners val="0"/>
   <mc:AlternateContent xmlns:mc="http://schemas.openxmlformats.org/markup-compatibility/2006">
     <mc:Choice xmlns:c14="http://schemas.microsoft.com/office/drawing/2007/8/2/chart" Requires="c14">
@@ -3958,7 +3958,7 @@
 <file path=ppt/charts/chart5.xml><?xml version="1.0" encoding="utf-8"?>
 <c:chartSpace xmlns:c="http://schemas.openxmlformats.org/drawingml/2006/chart" xmlns:a="http://schemas.openxmlformats.org/drawingml/2006/main" xmlns:r="http://schemas.openxmlformats.org/officeDocument/2006/relationships" xmlns:c16r2="http://schemas.microsoft.com/office/drawing/2015/06/chart">
   <c:date1904 val="0"/>
-  <c:lang val="en-US"/>
+  <c:lang val="ru-RU"/>
   <c:roundedCorners val="0"/>
   <mc:AlternateContent xmlns:mc="http://schemas.openxmlformats.org/markup-compatibility/2006">
     <mc:Choice xmlns:c14="http://schemas.microsoft.com/office/drawing/2007/8/2/chart" Requires="c14">
@@ -4909,7 +4909,7 @@
 <file path=ppt/charts/chart6.xml><?xml version="1.0" encoding="utf-8"?>
 <c:chartSpace xmlns:c="http://schemas.openxmlformats.org/drawingml/2006/chart" xmlns:a="http://schemas.openxmlformats.org/drawingml/2006/main" xmlns:r="http://schemas.openxmlformats.org/officeDocument/2006/relationships" xmlns:c16r2="http://schemas.microsoft.com/office/drawing/2015/06/chart">
   <c:date1904 val="0"/>
-  <c:lang val="en-US"/>
+  <c:lang val="ru-RU"/>
   <c:roundedCorners val="0"/>
   <mc:AlternateContent xmlns:mc="http://schemas.openxmlformats.org/markup-compatibility/2006">
     <mc:Choice xmlns:c14="http://schemas.microsoft.com/office/drawing/2007/8/2/chart" Requires="c14">
@@ -9209,7 +9209,7 @@
           <a:p>
             <a:fld id="{FAA95CEB-6667-484A-B2BA-FB23E5ECD7FA}" type="datetimeFigureOut">
               <a:rPr lang="ru-RU" smtClean="0"/>
-              <a:t>11.04.2022</a:t>
+              <a:t>26.08.2024</a:t>
             </a:fld>
             <a:endParaRPr lang="ru-RU"/>
           </a:p>
@@ -11478,7 +11478,7 @@
           <a:p>
             <a:fld id="{4C294B15-9ECA-4A98-9F5D-B53F12B28B28}" type="datetimeFigureOut">
               <a:rPr lang="ru-RU" smtClean="0"/>
-              <a:t>11.04.2022</a:t>
+              <a:t>26.08.2024</a:t>
             </a:fld>
             <a:endParaRPr lang="ru-RU"/>
           </a:p>
@@ -11678,7 +11678,7 @@
           <a:p>
             <a:fld id="{4C294B15-9ECA-4A98-9F5D-B53F12B28B28}" type="datetimeFigureOut">
               <a:rPr lang="ru-RU" smtClean="0"/>
-              <a:t>11.04.2022</a:t>
+              <a:t>26.08.2024</a:t>
             </a:fld>
             <a:endParaRPr lang="ru-RU"/>
           </a:p>
@@ -11888,7 +11888,7 @@
           <a:p>
             <a:fld id="{4C294B15-9ECA-4A98-9F5D-B53F12B28B28}" type="datetimeFigureOut">
               <a:rPr lang="ru-RU" smtClean="0"/>
-              <a:t>11.04.2022</a:t>
+              <a:t>26.08.2024</a:t>
             </a:fld>
             <a:endParaRPr lang="ru-RU"/>
           </a:p>
@@ -12088,7 +12088,7 @@
           <a:p>
             <a:fld id="{4C294B15-9ECA-4A98-9F5D-B53F12B28B28}" type="datetimeFigureOut">
               <a:rPr lang="ru-RU" smtClean="0"/>
-              <a:t>11.04.2022</a:t>
+              <a:t>26.08.2024</a:t>
             </a:fld>
             <a:endParaRPr lang="ru-RU"/>
           </a:p>
@@ -12364,7 +12364,7 @@
           <a:p>
             <a:fld id="{4C294B15-9ECA-4A98-9F5D-B53F12B28B28}" type="datetimeFigureOut">
               <a:rPr lang="ru-RU" smtClean="0"/>
-              <a:t>11.04.2022</a:t>
+              <a:t>26.08.2024</a:t>
             </a:fld>
             <a:endParaRPr lang="ru-RU"/>
           </a:p>
@@ -12632,7 +12632,7 @@
           <a:p>
             <a:fld id="{4C294B15-9ECA-4A98-9F5D-B53F12B28B28}" type="datetimeFigureOut">
               <a:rPr lang="ru-RU" smtClean="0"/>
-              <a:t>11.04.2022</a:t>
+              <a:t>26.08.2024</a:t>
             </a:fld>
             <a:endParaRPr lang="ru-RU"/>
           </a:p>
@@ -13047,7 +13047,7 @@
           <a:p>
             <a:fld id="{4C294B15-9ECA-4A98-9F5D-B53F12B28B28}" type="datetimeFigureOut">
               <a:rPr lang="ru-RU" smtClean="0"/>
-              <a:t>11.04.2022</a:t>
+              <a:t>26.08.2024</a:t>
             </a:fld>
             <a:endParaRPr lang="ru-RU"/>
           </a:p>
@@ -13189,7 +13189,7 @@
           <a:p>
             <a:fld id="{4C294B15-9ECA-4A98-9F5D-B53F12B28B28}" type="datetimeFigureOut">
               <a:rPr lang="ru-RU" smtClean="0"/>
-              <a:t>11.04.2022</a:t>
+              <a:t>26.08.2024</a:t>
             </a:fld>
             <a:endParaRPr lang="ru-RU"/>
           </a:p>
@@ -13302,7 +13302,7 @@
           <a:p>
             <a:fld id="{4C294B15-9ECA-4A98-9F5D-B53F12B28B28}" type="datetimeFigureOut">
               <a:rPr lang="ru-RU" smtClean="0"/>
-              <a:t>11.04.2022</a:t>
+              <a:t>26.08.2024</a:t>
             </a:fld>
             <a:endParaRPr lang="ru-RU"/>
           </a:p>
@@ -13615,7 +13615,7 @@
           <a:p>
             <a:fld id="{4C294B15-9ECA-4A98-9F5D-B53F12B28B28}" type="datetimeFigureOut">
               <a:rPr lang="ru-RU" smtClean="0"/>
-              <a:t>11.04.2022</a:t>
+              <a:t>26.08.2024</a:t>
             </a:fld>
             <a:endParaRPr lang="ru-RU"/>
           </a:p>
@@ -13904,7 +13904,7 @@
           <a:p>
             <a:fld id="{4C294B15-9ECA-4A98-9F5D-B53F12B28B28}" type="datetimeFigureOut">
               <a:rPr lang="ru-RU" smtClean="0"/>
-              <a:t>11.04.2022</a:t>
+              <a:t>26.08.2024</a:t>
             </a:fld>
             <a:endParaRPr lang="ru-RU"/>
           </a:p>
@@ -14147,7 +14147,7 @@
           <a:p>
             <a:fld id="{4C294B15-9ECA-4A98-9F5D-B53F12B28B28}" type="datetimeFigureOut">
               <a:rPr lang="ru-RU" smtClean="0"/>
-              <a:t>11.04.2022</a:t>
+              <a:t>26.08.2024</a:t>
             </a:fld>
             <a:endParaRPr lang="ru-RU"/>
           </a:p>
@@ -14648,8 +14648,8 @@
         </p:nvSpPr>
         <p:spPr>
           <a:xfrm>
-            <a:off x="0" y="1287127"/>
-            <a:ext cx="315686" cy="620486"/>
+            <a:off x="0" y="1455568"/>
+            <a:ext cx="315686" cy="1357519"/>
           </a:xfrm>
           <a:prstGeom prst="rect">
             <a:avLst/>
@@ -14698,7 +14698,7 @@
         <p:spPr>
           <a:xfrm>
             <a:off x="315686" y="1366537"/>
-            <a:ext cx="4859664" cy="461665"/>
+            <a:ext cx="6400085" cy="1446550"/>
           </a:xfrm>
           <a:prstGeom prst="rect">
             <a:avLst/>
@@ -14712,32 +14712,45 @@
           <a:lstStyle/>
           <a:p>
             <a:r>
-              <a:rPr lang="en-US" sz="2400" b="1" dirty="0">
-                <a:latin typeface="Arial" panose="020B0604020202020204" pitchFamily="34" charset="0"/>
-                <a:cs typeface="Arial" panose="020B0604020202020204" pitchFamily="34" charset="0"/>
-              </a:rPr>
-              <a:t>UNIT-</a:t>
-            </a:r>
-            <a:r>
-              <a:rPr lang="ru-RU" sz="2400" b="1" dirty="0">
-                <a:latin typeface="Arial" panose="020B0604020202020204" pitchFamily="34" charset="0"/>
-                <a:cs typeface="Arial" panose="020B0604020202020204" pitchFamily="34" charset="0"/>
-              </a:rPr>
-              <a:t>ЭКОНОМИКА</a:t>
-            </a:r>
-            <a:r>
-              <a:rPr lang="en-US" sz="2400" b="1" dirty="0">
+              <a:rPr lang="en-US" sz="4400" b="1" dirty="0">
+                <a:latin typeface="Arial" panose="020B0604020202020204" pitchFamily="34" charset="0"/>
+                <a:cs typeface="Arial" panose="020B0604020202020204" pitchFamily="34" charset="0"/>
+              </a:rPr>
+              <a:t>Unit-</a:t>
+            </a:r>
+            <a:r>
+              <a:rPr lang="ru-RU" sz="4400" b="1" dirty="0">
+                <a:latin typeface="Arial" panose="020B0604020202020204" pitchFamily="34" charset="0"/>
+                <a:cs typeface="Arial" panose="020B0604020202020204" pitchFamily="34" charset="0"/>
+              </a:rPr>
+              <a:t>экономика</a:t>
+            </a:r>
+            <a:r>
+              <a:rPr lang="en-US" sz="4400" b="1" dirty="0">
                 <a:latin typeface="Arial" panose="020B0604020202020204" pitchFamily="34" charset="0"/>
                 <a:cs typeface="Arial" panose="020B0604020202020204" pitchFamily="34" charset="0"/>
               </a:rPr>
               <a:t> </a:t>
             </a:r>
             <a:r>
-              <a:rPr lang="ru-RU" sz="2400" b="1" dirty="0">
-                <a:latin typeface="Arial" panose="020B0604020202020204" pitchFamily="34" charset="0"/>
-                <a:cs typeface="Arial" panose="020B0604020202020204" pitchFamily="34" charset="0"/>
-              </a:rPr>
-              <a:t>И МЕТРИКИ</a:t>
+              <a:rPr lang="ru-RU" sz="4400" b="1" dirty="0">
+                <a:latin typeface="Arial" panose="020B0604020202020204" pitchFamily="34" charset="0"/>
+                <a:cs typeface="Arial" panose="020B0604020202020204" pitchFamily="34" charset="0"/>
+              </a:rPr>
+              <a:t>и</a:t>
+            </a:r>
+            <a:endParaRPr lang="en-US" sz="4400" b="1" dirty="0">
+              <a:latin typeface="Arial" panose="020B0604020202020204" pitchFamily="34" charset="0"/>
+              <a:cs typeface="Arial" panose="020B0604020202020204" pitchFamily="34" charset="0"/>
+            </a:endParaRPr>
+          </a:p>
+          <a:p>
+            <a:r>
+              <a:rPr lang="ru-RU" sz="4400" b="1" dirty="0">
+                <a:latin typeface="Arial" panose="020B0604020202020204" pitchFamily="34" charset="0"/>
+                <a:cs typeface="Arial" panose="020B0604020202020204" pitchFamily="34" charset="0"/>
+              </a:rPr>
+              <a:t>продуктовые метрики</a:t>
             </a:r>
           </a:p>
         </p:txBody>
